--- a/ppt 16-9/1497.我们团结起来.pptx
+++ b/ppt 16-9/1497.我们团结起来.pptx
@@ -129,7 +129,7 @@
           <p:cNvPr id="2" name="标题 1">
             <a:extLst>
               <a:ext uri="{FF2B5EF4-FFF2-40B4-BE49-F238E27FC236}">
-                <a16:creationId xmlns:a16="http://schemas.microsoft.com/office/drawing/2014/main" id="{EC05966E-EB3F-8AC4-97CF-97DA2E241128}"/>
+                <a16:creationId xmlns:a16="http://schemas.microsoft.com/office/drawing/2014/main" id="{1C154279-F123-776F-D0B5-9C71D5FE41E2}"/>
               </a:ext>
             </a:extLst>
           </p:cNvPr>
@@ -166,7 +166,7 @@
           <p:cNvPr id="3" name="副标题 2">
             <a:extLst>
               <a:ext uri="{FF2B5EF4-FFF2-40B4-BE49-F238E27FC236}">
-                <a16:creationId xmlns:a16="http://schemas.microsoft.com/office/drawing/2014/main" id="{7A56AD71-9C7B-81BC-EC8F-CEE513F8A1DA}"/>
+                <a16:creationId xmlns:a16="http://schemas.microsoft.com/office/drawing/2014/main" id="{732F0619-9B94-9400-D39C-6CC45955111E}"/>
               </a:ext>
             </a:extLst>
           </p:cNvPr>
@@ -236,7 +236,7 @@
           <p:cNvPr id="4" name="日期占位符 3">
             <a:extLst>
               <a:ext uri="{FF2B5EF4-FFF2-40B4-BE49-F238E27FC236}">
-                <a16:creationId xmlns:a16="http://schemas.microsoft.com/office/drawing/2014/main" id="{A77F9F5A-7648-6026-6054-9FA233D2E9AF}"/>
+                <a16:creationId xmlns:a16="http://schemas.microsoft.com/office/drawing/2014/main" id="{1F969F5D-46FB-3BF9-15EF-41D027317462}"/>
               </a:ext>
             </a:extLst>
           </p:cNvPr>
@@ -252,7 +252,7 @@
           <a:bodyPr/>
           <a:lstStyle/>
           <a:p>
-            <a:fld id="{EB666A0C-AC88-4648-A64B-45FBF49F9AA8}" type="datetimeFigureOut">
+            <a:fld id="{9C8CFC49-9E09-4492-8946-15F126BDC92C}" type="datetimeFigureOut">
               <a:rPr lang="zh-CN" altLang="en-US" smtClean="0"/>
               <a:t>2024/3/10</a:t>
             </a:fld>
@@ -265,7 +265,7 @@
           <p:cNvPr id="5" name="页脚占位符 4">
             <a:extLst>
               <a:ext uri="{FF2B5EF4-FFF2-40B4-BE49-F238E27FC236}">
-                <a16:creationId xmlns:a16="http://schemas.microsoft.com/office/drawing/2014/main" id="{AFC65C5F-0509-129B-42CE-8F87FA04E2C3}"/>
+                <a16:creationId xmlns:a16="http://schemas.microsoft.com/office/drawing/2014/main" id="{9B1C2544-B744-E03C-21BF-19F6F5756159}"/>
               </a:ext>
             </a:extLst>
           </p:cNvPr>
@@ -290,7 +290,7 @@
           <p:cNvPr id="6" name="灯片编号占位符 5">
             <a:extLst>
               <a:ext uri="{FF2B5EF4-FFF2-40B4-BE49-F238E27FC236}">
-                <a16:creationId xmlns:a16="http://schemas.microsoft.com/office/drawing/2014/main" id="{D604AB6F-AD9A-F5A9-F537-FE001B51B5E8}"/>
+                <a16:creationId xmlns:a16="http://schemas.microsoft.com/office/drawing/2014/main" id="{E28FDA13-5BDC-AF07-28AA-5C520CED6744}"/>
               </a:ext>
             </a:extLst>
           </p:cNvPr>
@@ -306,7 +306,7 @@
           <a:bodyPr/>
           <a:lstStyle/>
           <a:p>
-            <a:fld id="{8468113F-B913-44DF-BE06-5F0157163FD6}" type="slidenum">
+            <a:fld id="{CB24570B-4C7A-4FC5-9F5D-CF3A8C3CE6BF}" type="slidenum">
               <a:rPr lang="zh-CN" altLang="en-US" smtClean="0"/>
               <a:t>‹#›</a:t>
             </a:fld>
@@ -317,7 +317,7 @@
     </p:spTree>
     <p:extLst>
       <p:ext uri="{BB962C8B-B14F-4D97-AF65-F5344CB8AC3E}">
-        <p14:creationId xmlns:p14="http://schemas.microsoft.com/office/powerpoint/2010/main" val="415300883"/>
+        <p14:creationId xmlns:p14="http://schemas.microsoft.com/office/powerpoint/2010/main" val="3617099717"/>
       </p:ext>
     </p:extLst>
   </p:cSld>
@@ -349,7 +349,7 @@
           <p:cNvPr id="2" name="标题 1">
             <a:extLst>
               <a:ext uri="{FF2B5EF4-FFF2-40B4-BE49-F238E27FC236}">
-                <a16:creationId xmlns:a16="http://schemas.microsoft.com/office/drawing/2014/main" id="{0583890B-E8D5-CF99-C92C-9C0ED6060168}"/>
+                <a16:creationId xmlns:a16="http://schemas.microsoft.com/office/drawing/2014/main" id="{DFD4FEE0-AC0C-E66A-32F2-BAB571E884A0}"/>
               </a:ext>
             </a:extLst>
           </p:cNvPr>
@@ -377,7 +377,7 @@
           <p:cNvPr id="3" name="竖排文字占位符 2">
             <a:extLst>
               <a:ext uri="{FF2B5EF4-FFF2-40B4-BE49-F238E27FC236}">
-                <a16:creationId xmlns:a16="http://schemas.microsoft.com/office/drawing/2014/main" id="{A117582F-EEF7-4E0C-4FAF-7CDC7D4FABBD}"/>
+                <a16:creationId xmlns:a16="http://schemas.microsoft.com/office/drawing/2014/main" id="{7FD7D864-BF44-2B05-1781-96A277FD5428}"/>
               </a:ext>
             </a:extLst>
           </p:cNvPr>
@@ -434,7 +434,7 @@
           <p:cNvPr id="4" name="日期占位符 3">
             <a:extLst>
               <a:ext uri="{FF2B5EF4-FFF2-40B4-BE49-F238E27FC236}">
-                <a16:creationId xmlns:a16="http://schemas.microsoft.com/office/drawing/2014/main" id="{721B7926-2B71-9C76-B40A-70395DA793D5}"/>
+                <a16:creationId xmlns:a16="http://schemas.microsoft.com/office/drawing/2014/main" id="{34554CC3-0AAD-AA2B-4778-EBAC0AF93720}"/>
               </a:ext>
             </a:extLst>
           </p:cNvPr>
@@ -450,7 +450,7 @@
           <a:bodyPr/>
           <a:lstStyle/>
           <a:p>
-            <a:fld id="{EB666A0C-AC88-4648-A64B-45FBF49F9AA8}" type="datetimeFigureOut">
+            <a:fld id="{9C8CFC49-9E09-4492-8946-15F126BDC92C}" type="datetimeFigureOut">
               <a:rPr lang="zh-CN" altLang="en-US" smtClean="0"/>
               <a:t>2024/3/10</a:t>
             </a:fld>
@@ -463,7 +463,7 @@
           <p:cNvPr id="5" name="页脚占位符 4">
             <a:extLst>
               <a:ext uri="{FF2B5EF4-FFF2-40B4-BE49-F238E27FC236}">
-                <a16:creationId xmlns:a16="http://schemas.microsoft.com/office/drawing/2014/main" id="{6BD4D8A7-9B1F-7915-F24A-7E7EF204CD6F}"/>
+                <a16:creationId xmlns:a16="http://schemas.microsoft.com/office/drawing/2014/main" id="{E8E82283-F5EF-298E-CEA8-DDCE90558F49}"/>
               </a:ext>
             </a:extLst>
           </p:cNvPr>
@@ -488,7 +488,7 @@
           <p:cNvPr id="6" name="灯片编号占位符 5">
             <a:extLst>
               <a:ext uri="{FF2B5EF4-FFF2-40B4-BE49-F238E27FC236}">
-                <a16:creationId xmlns:a16="http://schemas.microsoft.com/office/drawing/2014/main" id="{BC3121E7-2F07-EA02-3F23-0F41FB091F87}"/>
+                <a16:creationId xmlns:a16="http://schemas.microsoft.com/office/drawing/2014/main" id="{51B80EF2-5814-8649-B6FB-95C19A52A207}"/>
               </a:ext>
             </a:extLst>
           </p:cNvPr>
@@ -504,7 +504,7 @@
           <a:bodyPr/>
           <a:lstStyle/>
           <a:p>
-            <a:fld id="{8468113F-B913-44DF-BE06-5F0157163FD6}" type="slidenum">
+            <a:fld id="{CB24570B-4C7A-4FC5-9F5D-CF3A8C3CE6BF}" type="slidenum">
               <a:rPr lang="zh-CN" altLang="en-US" smtClean="0"/>
               <a:t>‹#›</a:t>
             </a:fld>
@@ -515,7 +515,7 @@
     </p:spTree>
     <p:extLst>
       <p:ext uri="{BB962C8B-B14F-4D97-AF65-F5344CB8AC3E}">
-        <p14:creationId xmlns:p14="http://schemas.microsoft.com/office/powerpoint/2010/main" val="3858000769"/>
+        <p14:creationId xmlns:p14="http://schemas.microsoft.com/office/powerpoint/2010/main" val="402704349"/>
       </p:ext>
     </p:extLst>
   </p:cSld>
@@ -547,7 +547,7 @@
           <p:cNvPr id="2" name="竖排标题 1">
             <a:extLst>
               <a:ext uri="{FF2B5EF4-FFF2-40B4-BE49-F238E27FC236}">
-                <a16:creationId xmlns:a16="http://schemas.microsoft.com/office/drawing/2014/main" id="{CE622635-8658-2BF8-038B-2511C87DDD69}"/>
+                <a16:creationId xmlns:a16="http://schemas.microsoft.com/office/drawing/2014/main" id="{6F4DD70E-80FF-5E49-931A-4E107E93CC46}"/>
               </a:ext>
             </a:extLst>
           </p:cNvPr>
@@ -580,7 +580,7 @@
           <p:cNvPr id="3" name="竖排文字占位符 2">
             <a:extLst>
               <a:ext uri="{FF2B5EF4-FFF2-40B4-BE49-F238E27FC236}">
-                <a16:creationId xmlns:a16="http://schemas.microsoft.com/office/drawing/2014/main" id="{0580BE39-0148-CB8A-F511-A2A899DBE5B8}"/>
+                <a16:creationId xmlns:a16="http://schemas.microsoft.com/office/drawing/2014/main" id="{0981C228-840F-806C-1311-4E2E17CD4C6C}"/>
               </a:ext>
             </a:extLst>
           </p:cNvPr>
@@ -642,7 +642,7 @@
           <p:cNvPr id="4" name="日期占位符 3">
             <a:extLst>
               <a:ext uri="{FF2B5EF4-FFF2-40B4-BE49-F238E27FC236}">
-                <a16:creationId xmlns:a16="http://schemas.microsoft.com/office/drawing/2014/main" id="{A9BE7852-A324-D59F-CB2A-F0F6B80FBD6C}"/>
+                <a16:creationId xmlns:a16="http://schemas.microsoft.com/office/drawing/2014/main" id="{644FE709-F513-D210-FE74-8A6882CD0658}"/>
               </a:ext>
             </a:extLst>
           </p:cNvPr>
@@ -658,7 +658,7 @@
           <a:bodyPr/>
           <a:lstStyle/>
           <a:p>
-            <a:fld id="{EB666A0C-AC88-4648-A64B-45FBF49F9AA8}" type="datetimeFigureOut">
+            <a:fld id="{9C8CFC49-9E09-4492-8946-15F126BDC92C}" type="datetimeFigureOut">
               <a:rPr lang="zh-CN" altLang="en-US" smtClean="0"/>
               <a:t>2024/3/10</a:t>
             </a:fld>
@@ -671,7 +671,7 @@
           <p:cNvPr id="5" name="页脚占位符 4">
             <a:extLst>
               <a:ext uri="{FF2B5EF4-FFF2-40B4-BE49-F238E27FC236}">
-                <a16:creationId xmlns:a16="http://schemas.microsoft.com/office/drawing/2014/main" id="{A961715F-3839-8FA3-0895-3EBE1DB96923}"/>
+                <a16:creationId xmlns:a16="http://schemas.microsoft.com/office/drawing/2014/main" id="{9F3777E2-CA01-8579-5DCA-BF671FC27F1A}"/>
               </a:ext>
             </a:extLst>
           </p:cNvPr>
@@ -696,7 +696,7 @@
           <p:cNvPr id="6" name="灯片编号占位符 5">
             <a:extLst>
               <a:ext uri="{FF2B5EF4-FFF2-40B4-BE49-F238E27FC236}">
-                <a16:creationId xmlns:a16="http://schemas.microsoft.com/office/drawing/2014/main" id="{1E53E507-0B49-63D3-83C1-9E17F342F3B7}"/>
+                <a16:creationId xmlns:a16="http://schemas.microsoft.com/office/drawing/2014/main" id="{284AFED7-2A07-B41F-17D1-7B6EA074BE3F}"/>
               </a:ext>
             </a:extLst>
           </p:cNvPr>
@@ -712,7 +712,7 @@
           <a:bodyPr/>
           <a:lstStyle/>
           <a:p>
-            <a:fld id="{8468113F-B913-44DF-BE06-5F0157163FD6}" type="slidenum">
+            <a:fld id="{CB24570B-4C7A-4FC5-9F5D-CF3A8C3CE6BF}" type="slidenum">
               <a:rPr lang="zh-CN" altLang="en-US" smtClean="0"/>
               <a:t>‹#›</a:t>
             </a:fld>
@@ -723,7 +723,7 @@
     </p:spTree>
     <p:extLst>
       <p:ext uri="{BB962C8B-B14F-4D97-AF65-F5344CB8AC3E}">
-        <p14:creationId xmlns:p14="http://schemas.microsoft.com/office/powerpoint/2010/main" val="3447620190"/>
+        <p14:creationId xmlns:p14="http://schemas.microsoft.com/office/powerpoint/2010/main" val="469892003"/>
       </p:ext>
     </p:extLst>
   </p:cSld>
@@ -755,7 +755,7 @@
           <p:cNvPr id="2" name="标题 1">
             <a:extLst>
               <a:ext uri="{FF2B5EF4-FFF2-40B4-BE49-F238E27FC236}">
-                <a16:creationId xmlns:a16="http://schemas.microsoft.com/office/drawing/2014/main" id="{125F8201-D390-86AC-9D16-94F3DA353755}"/>
+                <a16:creationId xmlns:a16="http://schemas.microsoft.com/office/drawing/2014/main" id="{70064997-C702-9A20-3C74-8A622470AEDB}"/>
               </a:ext>
             </a:extLst>
           </p:cNvPr>
@@ -783,7 +783,7 @@
           <p:cNvPr id="3" name="内容占位符 2">
             <a:extLst>
               <a:ext uri="{FF2B5EF4-FFF2-40B4-BE49-F238E27FC236}">
-                <a16:creationId xmlns:a16="http://schemas.microsoft.com/office/drawing/2014/main" id="{B251C88F-11EF-C9BD-820E-3A721BE7C51C}"/>
+                <a16:creationId xmlns:a16="http://schemas.microsoft.com/office/drawing/2014/main" id="{756A2E83-3627-0A14-97B3-D960A73F8201}"/>
               </a:ext>
             </a:extLst>
           </p:cNvPr>
@@ -840,7 +840,7 @@
           <p:cNvPr id="4" name="日期占位符 3">
             <a:extLst>
               <a:ext uri="{FF2B5EF4-FFF2-40B4-BE49-F238E27FC236}">
-                <a16:creationId xmlns:a16="http://schemas.microsoft.com/office/drawing/2014/main" id="{B57DB305-DF53-26EB-D97B-076223B2523D}"/>
+                <a16:creationId xmlns:a16="http://schemas.microsoft.com/office/drawing/2014/main" id="{F53EE230-E12A-E7E5-3C23-086E73CBFFD6}"/>
               </a:ext>
             </a:extLst>
           </p:cNvPr>
@@ -856,7 +856,7 @@
           <a:bodyPr/>
           <a:lstStyle/>
           <a:p>
-            <a:fld id="{EB666A0C-AC88-4648-A64B-45FBF49F9AA8}" type="datetimeFigureOut">
+            <a:fld id="{9C8CFC49-9E09-4492-8946-15F126BDC92C}" type="datetimeFigureOut">
               <a:rPr lang="zh-CN" altLang="en-US" smtClean="0"/>
               <a:t>2024/3/10</a:t>
             </a:fld>
@@ -869,7 +869,7 @@
           <p:cNvPr id="5" name="页脚占位符 4">
             <a:extLst>
               <a:ext uri="{FF2B5EF4-FFF2-40B4-BE49-F238E27FC236}">
-                <a16:creationId xmlns:a16="http://schemas.microsoft.com/office/drawing/2014/main" id="{176DA4CB-14CA-F5C9-D8D5-B7BC2501BE17}"/>
+                <a16:creationId xmlns:a16="http://schemas.microsoft.com/office/drawing/2014/main" id="{B32B0CF9-E8B6-7F67-9A76-BBA34C57AD86}"/>
               </a:ext>
             </a:extLst>
           </p:cNvPr>
@@ -894,7 +894,7 @@
           <p:cNvPr id="6" name="灯片编号占位符 5">
             <a:extLst>
               <a:ext uri="{FF2B5EF4-FFF2-40B4-BE49-F238E27FC236}">
-                <a16:creationId xmlns:a16="http://schemas.microsoft.com/office/drawing/2014/main" id="{CB5BDFF9-2001-72E4-5DE9-39DC63C18A1A}"/>
+                <a16:creationId xmlns:a16="http://schemas.microsoft.com/office/drawing/2014/main" id="{1F80BC48-0044-10AD-2201-D6762E08100A}"/>
               </a:ext>
             </a:extLst>
           </p:cNvPr>
@@ -910,7 +910,7 @@
           <a:bodyPr/>
           <a:lstStyle/>
           <a:p>
-            <a:fld id="{8468113F-B913-44DF-BE06-5F0157163FD6}" type="slidenum">
+            <a:fld id="{CB24570B-4C7A-4FC5-9F5D-CF3A8C3CE6BF}" type="slidenum">
               <a:rPr lang="zh-CN" altLang="en-US" smtClean="0"/>
               <a:t>‹#›</a:t>
             </a:fld>
@@ -921,7 +921,7 @@
     </p:spTree>
     <p:extLst>
       <p:ext uri="{BB962C8B-B14F-4D97-AF65-F5344CB8AC3E}">
-        <p14:creationId xmlns:p14="http://schemas.microsoft.com/office/powerpoint/2010/main" val="1043802244"/>
+        <p14:creationId xmlns:p14="http://schemas.microsoft.com/office/powerpoint/2010/main" val="2594002493"/>
       </p:ext>
     </p:extLst>
   </p:cSld>
@@ -953,7 +953,7 @@
           <p:cNvPr id="2" name="标题 1">
             <a:extLst>
               <a:ext uri="{FF2B5EF4-FFF2-40B4-BE49-F238E27FC236}">
-                <a16:creationId xmlns:a16="http://schemas.microsoft.com/office/drawing/2014/main" id="{3E7A1822-32C9-4F8E-9B96-0E015ADBE16A}"/>
+                <a16:creationId xmlns:a16="http://schemas.microsoft.com/office/drawing/2014/main" id="{A0F99346-7D0C-3AE4-BDB9-7EC4C4FE676F}"/>
               </a:ext>
             </a:extLst>
           </p:cNvPr>
@@ -990,7 +990,7 @@
           <p:cNvPr id="3" name="文本占位符 2">
             <a:extLst>
               <a:ext uri="{FF2B5EF4-FFF2-40B4-BE49-F238E27FC236}">
-                <a16:creationId xmlns:a16="http://schemas.microsoft.com/office/drawing/2014/main" id="{E2E24212-35C8-4B7D-479E-6754B4EAFB41}"/>
+                <a16:creationId xmlns:a16="http://schemas.microsoft.com/office/drawing/2014/main" id="{06A99DDC-A951-74FD-8986-8AC437347403}"/>
               </a:ext>
             </a:extLst>
           </p:cNvPr>
@@ -1115,7 +1115,7 @@
           <p:cNvPr id="4" name="日期占位符 3">
             <a:extLst>
               <a:ext uri="{FF2B5EF4-FFF2-40B4-BE49-F238E27FC236}">
-                <a16:creationId xmlns:a16="http://schemas.microsoft.com/office/drawing/2014/main" id="{F3C20CB2-68F6-5026-8306-C6117B107906}"/>
+                <a16:creationId xmlns:a16="http://schemas.microsoft.com/office/drawing/2014/main" id="{33B81CC1-5274-368B-F2CD-DE7355175B83}"/>
               </a:ext>
             </a:extLst>
           </p:cNvPr>
@@ -1131,7 +1131,7 @@
           <a:bodyPr/>
           <a:lstStyle/>
           <a:p>
-            <a:fld id="{EB666A0C-AC88-4648-A64B-45FBF49F9AA8}" type="datetimeFigureOut">
+            <a:fld id="{9C8CFC49-9E09-4492-8946-15F126BDC92C}" type="datetimeFigureOut">
               <a:rPr lang="zh-CN" altLang="en-US" smtClean="0"/>
               <a:t>2024/3/10</a:t>
             </a:fld>
@@ -1144,7 +1144,7 @@
           <p:cNvPr id="5" name="页脚占位符 4">
             <a:extLst>
               <a:ext uri="{FF2B5EF4-FFF2-40B4-BE49-F238E27FC236}">
-                <a16:creationId xmlns:a16="http://schemas.microsoft.com/office/drawing/2014/main" id="{9C9ACFB0-CB8E-B10F-85C3-27AB5680FF1A}"/>
+                <a16:creationId xmlns:a16="http://schemas.microsoft.com/office/drawing/2014/main" id="{E87BF279-5476-A657-97D9-FC2F62C8A926}"/>
               </a:ext>
             </a:extLst>
           </p:cNvPr>
@@ -1169,7 +1169,7 @@
           <p:cNvPr id="6" name="灯片编号占位符 5">
             <a:extLst>
               <a:ext uri="{FF2B5EF4-FFF2-40B4-BE49-F238E27FC236}">
-                <a16:creationId xmlns:a16="http://schemas.microsoft.com/office/drawing/2014/main" id="{55A4438E-138D-7A97-F288-362DDFBC3DBA}"/>
+                <a16:creationId xmlns:a16="http://schemas.microsoft.com/office/drawing/2014/main" id="{D98724C7-48DD-DB31-6DEA-4FD0F7A431BA}"/>
               </a:ext>
             </a:extLst>
           </p:cNvPr>
@@ -1185,7 +1185,7 @@
           <a:bodyPr/>
           <a:lstStyle/>
           <a:p>
-            <a:fld id="{8468113F-B913-44DF-BE06-5F0157163FD6}" type="slidenum">
+            <a:fld id="{CB24570B-4C7A-4FC5-9F5D-CF3A8C3CE6BF}" type="slidenum">
               <a:rPr lang="zh-CN" altLang="en-US" smtClean="0"/>
               <a:t>‹#›</a:t>
             </a:fld>
@@ -1196,7 +1196,7 @@
     </p:spTree>
     <p:extLst>
       <p:ext uri="{BB962C8B-B14F-4D97-AF65-F5344CB8AC3E}">
-        <p14:creationId xmlns:p14="http://schemas.microsoft.com/office/powerpoint/2010/main" val="2425542652"/>
+        <p14:creationId xmlns:p14="http://schemas.microsoft.com/office/powerpoint/2010/main" val="3771190778"/>
       </p:ext>
     </p:extLst>
   </p:cSld>
@@ -1228,7 +1228,7 @@
           <p:cNvPr id="2" name="标题 1">
             <a:extLst>
               <a:ext uri="{FF2B5EF4-FFF2-40B4-BE49-F238E27FC236}">
-                <a16:creationId xmlns:a16="http://schemas.microsoft.com/office/drawing/2014/main" id="{1AD6C0F8-87AC-759C-2370-DF6AD72CA32F}"/>
+                <a16:creationId xmlns:a16="http://schemas.microsoft.com/office/drawing/2014/main" id="{29A01EB3-9CDE-C74B-741A-E6A3A296736B}"/>
               </a:ext>
             </a:extLst>
           </p:cNvPr>
@@ -1256,7 +1256,7 @@
           <p:cNvPr id="3" name="内容占位符 2">
             <a:extLst>
               <a:ext uri="{FF2B5EF4-FFF2-40B4-BE49-F238E27FC236}">
-                <a16:creationId xmlns:a16="http://schemas.microsoft.com/office/drawing/2014/main" id="{85E35E3D-7F9C-0DA8-4FD5-32A015E78C3D}"/>
+                <a16:creationId xmlns:a16="http://schemas.microsoft.com/office/drawing/2014/main" id="{E87D8374-B06B-0A7B-EB0C-72AF4E0F7F4B}"/>
               </a:ext>
             </a:extLst>
           </p:cNvPr>
@@ -1318,7 +1318,7 @@
           <p:cNvPr id="4" name="内容占位符 3">
             <a:extLst>
               <a:ext uri="{FF2B5EF4-FFF2-40B4-BE49-F238E27FC236}">
-                <a16:creationId xmlns:a16="http://schemas.microsoft.com/office/drawing/2014/main" id="{24EFCF4A-82F5-E1EE-8AC1-3AADB322B08B}"/>
+                <a16:creationId xmlns:a16="http://schemas.microsoft.com/office/drawing/2014/main" id="{964CA8AC-25CA-3B25-911E-44433F83FDF7}"/>
               </a:ext>
             </a:extLst>
           </p:cNvPr>
@@ -1380,7 +1380,7 @@
           <p:cNvPr id="5" name="日期占位符 4">
             <a:extLst>
               <a:ext uri="{FF2B5EF4-FFF2-40B4-BE49-F238E27FC236}">
-                <a16:creationId xmlns:a16="http://schemas.microsoft.com/office/drawing/2014/main" id="{BC85454E-B04C-894B-CEBC-A55CE86030B1}"/>
+                <a16:creationId xmlns:a16="http://schemas.microsoft.com/office/drawing/2014/main" id="{652FE381-0580-B1C2-7D16-7C148CDE470A}"/>
               </a:ext>
             </a:extLst>
           </p:cNvPr>
@@ -1396,7 +1396,7 @@
           <a:bodyPr/>
           <a:lstStyle/>
           <a:p>
-            <a:fld id="{EB666A0C-AC88-4648-A64B-45FBF49F9AA8}" type="datetimeFigureOut">
+            <a:fld id="{9C8CFC49-9E09-4492-8946-15F126BDC92C}" type="datetimeFigureOut">
               <a:rPr lang="zh-CN" altLang="en-US" smtClean="0"/>
               <a:t>2024/3/10</a:t>
             </a:fld>
@@ -1409,7 +1409,7 @@
           <p:cNvPr id="6" name="页脚占位符 5">
             <a:extLst>
               <a:ext uri="{FF2B5EF4-FFF2-40B4-BE49-F238E27FC236}">
-                <a16:creationId xmlns:a16="http://schemas.microsoft.com/office/drawing/2014/main" id="{BFDC0E54-4792-EF12-6426-8C4AB6B37C49}"/>
+                <a16:creationId xmlns:a16="http://schemas.microsoft.com/office/drawing/2014/main" id="{453C6576-46E6-5C38-3DBA-148F6DEB878B}"/>
               </a:ext>
             </a:extLst>
           </p:cNvPr>
@@ -1434,7 +1434,7 @@
           <p:cNvPr id="7" name="灯片编号占位符 6">
             <a:extLst>
               <a:ext uri="{FF2B5EF4-FFF2-40B4-BE49-F238E27FC236}">
-                <a16:creationId xmlns:a16="http://schemas.microsoft.com/office/drawing/2014/main" id="{E58B583B-51E9-E1E1-F82E-DA2EDB401D6D}"/>
+                <a16:creationId xmlns:a16="http://schemas.microsoft.com/office/drawing/2014/main" id="{9620265B-19D9-959B-A39A-8E32DAC6EF84}"/>
               </a:ext>
             </a:extLst>
           </p:cNvPr>
@@ -1450,7 +1450,7 @@
           <a:bodyPr/>
           <a:lstStyle/>
           <a:p>
-            <a:fld id="{8468113F-B913-44DF-BE06-5F0157163FD6}" type="slidenum">
+            <a:fld id="{CB24570B-4C7A-4FC5-9F5D-CF3A8C3CE6BF}" type="slidenum">
               <a:rPr lang="zh-CN" altLang="en-US" smtClean="0"/>
               <a:t>‹#›</a:t>
             </a:fld>
@@ -1461,7 +1461,7 @@
     </p:spTree>
     <p:extLst>
       <p:ext uri="{BB962C8B-B14F-4D97-AF65-F5344CB8AC3E}">
-        <p14:creationId xmlns:p14="http://schemas.microsoft.com/office/powerpoint/2010/main" val="1049820141"/>
+        <p14:creationId xmlns:p14="http://schemas.microsoft.com/office/powerpoint/2010/main" val="3534189603"/>
       </p:ext>
     </p:extLst>
   </p:cSld>
@@ -1493,7 +1493,7 @@
           <p:cNvPr id="2" name="标题 1">
             <a:extLst>
               <a:ext uri="{FF2B5EF4-FFF2-40B4-BE49-F238E27FC236}">
-                <a16:creationId xmlns:a16="http://schemas.microsoft.com/office/drawing/2014/main" id="{953CF5E1-5A42-AAE0-6746-4532F4F427B2}"/>
+                <a16:creationId xmlns:a16="http://schemas.microsoft.com/office/drawing/2014/main" id="{AAD06EED-D3B7-89EE-1F11-0BE850858701}"/>
               </a:ext>
             </a:extLst>
           </p:cNvPr>
@@ -1526,7 +1526,7 @@
           <p:cNvPr id="3" name="文本占位符 2">
             <a:extLst>
               <a:ext uri="{FF2B5EF4-FFF2-40B4-BE49-F238E27FC236}">
-                <a16:creationId xmlns:a16="http://schemas.microsoft.com/office/drawing/2014/main" id="{792AA8A0-B4BB-73A0-0A2C-BE00D447E5EF}"/>
+                <a16:creationId xmlns:a16="http://schemas.microsoft.com/office/drawing/2014/main" id="{41B7B08B-0DAA-1A1C-1001-05B90C9B07FF}"/>
               </a:ext>
             </a:extLst>
           </p:cNvPr>
@@ -1597,7 +1597,7 @@
           <p:cNvPr id="4" name="内容占位符 3">
             <a:extLst>
               <a:ext uri="{FF2B5EF4-FFF2-40B4-BE49-F238E27FC236}">
-                <a16:creationId xmlns:a16="http://schemas.microsoft.com/office/drawing/2014/main" id="{699064E8-BA43-7D14-6670-C0E0209D01C4}"/>
+                <a16:creationId xmlns:a16="http://schemas.microsoft.com/office/drawing/2014/main" id="{58C3D291-9DCE-7A97-D69D-1D0C95ECAD5E}"/>
               </a:ext>
             </a:extLst>
           </p:cNvPr>
@@ -1659,7 +1659,7 @@
           <p:cNvPr id="5" name="文本占位符 4">
             <a:extLst>
               <a:ext uri="{FF2B5EF4-FFF2-40B4-BE49-F238E27FC236}">
-                <a16:creationId xmlns:a16="http://schemas.microsoft.com/office/drawing/2014/main" id="{47B6054A-ED38-C4F1-0C7E-9939910C7463}"/>
+                <a16:creationId xmlns:a16="http://schemas.microsoft.com/office/drawing/2014/main" id="{C2BFEE1B-78C2-53D4-DC07-792044F82917}"/>
               </a:ext>
             </a:extLst>
           </p:cNvPr>
@@ -1730,7 +1730,7 @@
           <p:cNvPr id="6" name="内容占位符 5">
             <a:extLst>
               <a:ext uri="{FF2B5EF4-FFF2-40B4-BE49-F238E27FC236}">
-                <a16:creationId xmlns:a16="http://schemas.microsoft.com/office/drawing/2014/main" id="{C665B8ED-C999-966A-2F5F-2C28DEFA3478}"/>
+                <a16:creationId xmlns:a16="http://schemas.microsoft.com/office/drawing/2014/main" id="{2D15E746-D278-FE0E-5939-DBEBCDF59337}"/>
               </a:ext>
             </a:extLst>
           </p:cNvPr>
@@ -1792,7 +1792,7 @@
           <p:cNvPr id="7" name="日期占位符 6">
             <a:extLst>
               <a:ext uri="{FF2B5EF4-FFF2-40B4-BE49-F238E27FC236}">
-                <a16:creationId xmlns:a16="http://schemas.microsoft.com/office/drawing/2014/main" id="{4E494571-0868-B4D2-DB05-5ED31842E641}"/>
+                <a16:creationId xmlns:a16="http://schemas.microsoft.com/office/drawing/2014/main" id="{8A71D675-B2B2-E0BF-5B82-08D7676DEBD0}"/>
               </a:ext>
             </a:extLst>
           </p:cNvPr>
@@ -1808,7 +1808,7 @@
           <a:bodyPr/>
           <a:lstStyle/>
           <a:p>
-            <a:fld id="{EB666A0C-AC88-4648-A64B-45FBF49F9AA8}" type="datetimeFigureOut">
+            <a:fld id="{9C8CFC49-9E09-4492-8946-15F126BDC92C}" type="datetimeFigureOut">
               <a:rPr lang="zh-CN" altLang="en-US" smtClean="0"/>
               <a:t>2024/3/10</a:t>
             </a:fld>
@@ -1821,7 +1821,7 @@
           <p:cNvPr id="8" name="页脚占位符 7">
             <a:extLst>
               <a:ext uri="{FF2B5EF4-FFF2-40B4-BE49-F238E27FC236}">
-                <a16:creationId xmlns:a16="http://schemas.microsoft.com/office/drawing/2014/main" id="{E3BB1821-C31F-3F7B-3E92-4058E552225E}"/>
+                <a16:creationId xmlns:a16="http://schemas.microsoft.com/office/drawing/2014/main" id="{1ABFEAA9-FA2A-6629-FDAA-268B102B568B}"/>
               </a:ext>
             </a:extLst>
           </p:cNvPr>
@@ -1846,7 +1846,7 @@
           <p:cNvPr id="9" name="灯片编号占位符 8">
             <a:extLst>
               <a:ext uri="{FF2B5EF4-FFF2-40B4-BE49-F238E27FC236}">
-                <a16:creationId xmlns:a16="http://schemas.microsoft.com/office/drawing/2014/main" id="{604138AF-B976-C2B3-988F-BD1DCC93183B}"/>
+                <a16:creationId xmlns:a16="http://schemas.microsoft.com/office/drawing/2014/main" id="{4B6FBBB4-D48F-A8F3-E015-3DD999A2A8E5}"/>
               </a:ext>
             </a:extLst>
           </p:cNvPr>
@@ -1862,7 +1862,7 @@
           <a:bodyPr/>
           <a:lstStyle/>
           <a:p>
-            <a:fld id="{8468113F-B913-44DF-BE06-5F0157163FD6}" type="slidenum">
+            <a:fld id="{CB24570B-4C7A-4FC5-9F5D-CF3A8C3CE6BF}" type="slidenum">
               <a:rPr lang="zh-CN" altLang="en-US" smtClean="0"/>
               <a:t>‹#›</a:t>
             </a:fld>
@@ -1873,7 +1873,7 @@
     </p:spTree>
     <p:extLst>
       <p:ext uri="{BB962C8B-B14F-4D97-AF65-F5344CB8AC3E}">
-        <p14:creationId xmlns:p14="http://schemas.microsoft.com/office/powerpoint/2010/main" val="752110185"/>
+        <p14:creationId xmlns:p14="http://schemas.microsoft.com/office/powerpoint/2010/main" val="1553012127"/>
       </p:ext>
     </p:extLst>
   </p:cSld>
@@ -1905,7 +1905,7 @@
           <p:cNvPr id="2" name="标题 1">
             <a:extLst>
               <a:ext uri="{FF2B5EF4-FFF2-40B4-BE49-F238E27FC236}">
-                <a16:creationId xmlns:a16="http://schemas.microsoft.com/office/drawing/2014/main" id="{BF249079-727E-CDA3-048D-3F7118D9BB9C}"/>
+                <a16:creationId xmlns:a16="http://schemas.microsoft.com/office/drawing/2014/main" id="{17075388-8F94-73DC-7090-C10306858F11}"/>
               </a:ext>
             </a:extLst>
           </p:cNvPr>
@@ -1933,7 +1933,7 @@
           <p:cNvPr id="3" name="日期占位符 2">
             <a:extLst>
               <a:ext uri="{FF2B5EF4-FFF2-40B4-BE49-F238E27FC236}">
-                <a16:creationId xmlns:a16="http://schemas.microsoft.com/office/drawing/2014/main" id="{1FF0D534-981E-06B6-E9D1-5377F62A6ADA}"/>
+                <a16:creationId xmlns:a16="http://schemas.microsoft.com/office/drawing/2014/main" id="{6958E39F-9012-E944-2FD3-752FD2A53F9B}"/>
               </a:ext>
             </a:extLst>
           </p:cNvPr>
@@ -1949,7 +1949,7 @@
           <a:bodyPr/>
           <a:lstStyle/>
           <a:p>
-            <a:fld id="{EB666A0C-AC88-4648-A64B-45FBF49F9AA8}" type="datetimeFigureOut">
+            <a:fld id="{9C8CFC49-9E09-4492-8946-15F126BDC92C}" type="datetimeFigureOut">
               <a:rPr lang="zh-CN" altLang="en-US" smtClean="0"/>
               <a:t>2024/3/10</a:t>
             </a:fld>
@@ -1962,7 +1962,7 @@
           <p:cNvPr id="4" name="页脚占位符 3">
             <a:extLst>
               <a:ext uri="{FF2B5EF4-FFF2-40B4-BE49-F238E27FC236}">
-                <a16:creationId xmlns:a16="http://schemas.microsoft.com/office/drawing/2014/main" id="{A551B2C3-87E3-8817-0185-9217117F4E53}"/>
+                <a16:creationId xmlns:a16="http://schemas.microsoft.com/office/drawing/2014/main" id="{8BEFC526-6952-92B1-4DE6-427EC40E7C84}"/>
               </a:ext>
             </a:extLst>
           </p:cNvPr>
@@ -1987,7 +1987,7 @@
           <p:cNvPr id="5" name="灯片编号占位符 4">
             <a:extLst>
               <a:ext uri="{FF2B5EF4-FFF2-40B4-BE49-F238E27FC236}">
-                <a16:creationId xmlns:a16="http://schemas.microsoft.com/office/drawing/2014/main" id="{E2B4C465-DB34-8DBD-AD54-D37EA0524AB8}"/>
+                <a16:creationId xmlns:a16="http://schemas.microsoft.com/office/drawing/2014/main" id="{A2AD0CB4-ADA2-D4AF-EF8F-B5C984EDBE85}"/>
               </a:ext>
             </a:extLst>
           </p:cNvPr>
@@ -2003,7 +2003,7 @@
           <a:bodyPr/>
           <a:lstStyle/>
           <a:p>
-            <a:fld id="{8468113F-B913-44DF-BE06-5F0157163FD6}" type="slidenum">
+            <a:fld id="{CB24570B-4C7A-4FC5-9F5D-CF3A8C3CE6BF}" type="slidenum">
               <a:rPr lang="zh-CN" altLang="en-US" smtClean="0"/>
               <a:t>‹#›</a:t>
             </a:fld>
@@ -2014,7 +2014,7 @@
     </p:spTree>
     <p:extLst>
       <p:ext uri="{BB962C8B-B14F-4D97-AF65-F5344CB8AC3E}">
-        <p14:creationId xmlns:p14="http://schemas.microsoft.com/office/powerpoint/2010/main" val="2619733900"/>
+        <p14:creationId xmlns:p14="http://schemas.microsoft.com/office/powerpoint/2010/main" val="1280751281"/>
       </p:ext>
     </p:extLst>
   </p:cSld>
@@ -2046,7 +2046,7 @@
           <p:cNvPr id="2" name="日期占位符 1">
             <a:extLst>
               <a:ext uri="{FF2B5EF4-FFF2-40B4-BE49-F238E27FC236}">
-                <a16:creationId xmlns:a16="http://schemas.microsoft.com/office/drawing/2014/main" id="{439027C0-AD0F-BA52-D594-C1549D04A0FB}"/>
+                <a16:creationId xmlns:a16="http://schemas.microsoft.com/office/drawing/2014/main" id="{4CDD70FE-9AE7-CF8E-9D94-4C8DE15E0462}"/>
               </a:ext>
             </a:extLst>
           </p:cNvPr>
@@ -2062,7 +2062,7 @@
           <a:bodyPr/>
           <a:lstStyle/>
           <a:p>
-            <a:fld id="{EB666A0C-AC88-4648-A64B-45FBF49F9AA8}" type="datetimeFigureOut">
+            <a:fld id="{9C8CFC49-9E09-4492-8946-15F126BDC92C}" type="datetimeFigureOut">
               <a:rPr lang="zh-CN" altLang="en-US" smtClean="0"/>
               <a:t>2024/3/10</a:t>
             </a:fld>
@@ -2075,7 +2075,7 @@
           <p:cNvPr id="3" name="页脚占位符 2">
             <a:extLst>
               <a:ext uri="{FF2B5EF4-FFF2-40B4-BE49-F238E27FC236}">
-                <a16:creationId xmlns:a16="http://schemas.microsoft.com/office/drawing/2014/main" id="{1DAD655D-324B-B276-A755-99A86C83AC1A}"/>
+                <a16:creationId xmlns:a16="http://schemas.microsoft.com/office/drawing/2014/main" id="{1DEDF2EE-CFAA-9994-CD59-7A857F2AE991}"/>
               </a:ext>
             </a:extLst>
           </p:cNvPr>
@@ -2100,7 +2100,7 @@
           <p:cNvPr id="4" name="灯片编号占位符 3">
             <a:extLst>
               <a:ext uri="{FF2B5EF4-FFF2-40B4-BE49-F238E27FC236}">
-                <a16:creationId xmlns:a16="http://schemas.microsoft.com/office/drawing/2014/main" id="{D0C58AA8-6D42-25EE-4B46-70193A2FC18B}"/>
+                <a16:creationId xmlns:a16="http://schemas.microsoft.com/office/drawing/2014/main" id="{3104D367-4AD2-94DF-4115-ABE08587717E}"/>
               </a:ext>
             </a:extLst>
           </p:cNvPr>
@@ -2116,7 +2116,7 @@
           <a:bodyPr/>
           <a:lstStyle/>
           <a:p>
-            <a:fld id="{8468113F-B913-44DF-BE06-5F0157163FD6}" type="slidenum">
+            <a:fld id="{CB24570B-4C7A-4FC5-9F5D-CF3A8C3CE6BF}" type="slidenum">
               <a:rPr lang="zh-CN" altLang="en-US" smtClean="0"/>
               <a:t>‹#›</a:t>
             </a:fld>
@@ -2127,7 +2127,7 @@
     </p:spTree>
     <p:extLst>
       <p:ext uri="{BB962C8B-B14F-4D97-AF65-F5344CB8AC3E}">
-        <p14:creationId xmlns:p14="http://schemas.microsoft.com/office/powerpoint/2010/main" val="125549838"/>
+        <p14:creationId xmlns:p14="http://schemas.microsoft.com/office/powerpoint/2010/main" val="2201373403"/>
       </p:ext>
     </p:extLst>
   </p:cSld>
@@ -2159,7 +2159,7 @@
           <p:cNvPr id="2" name="标题 1">
             <a:extLst>
               <a:ext uri="{FF2B5EF4-FFF2-40B4-BE49-F238E27FC236}">
-                <a16:creationId xmlns:a16="http://schemas.microsoft.com/office/drawing/2014/main" id="{E7113CE3-4098-1A43-6735-F33B064F62CF}"/>
+                <a16:creationId xmlns:a16="http://schemas.microsoft.com/office/drawing/2014/main" id="{5D532C21-80B4-B689-F118-B0AB00E6BC50}"/>
               </a:ext>
             </a:extLst>
           </p:cNvPr>
@@ -2196,7 +2196,7 @@
           <p:cNvPr id="3" name="内容占位符 2">
             <a:extLst>
               <a:ext uri="{FF2B5EF4-FFF2-40B4-BE49-F238E27FC236}">
-                <a16:creationId xmlns:a16="http://schemas.microsoft.com/office/drawing/2014/main" id="{DA762E10-2DAF-F9E3-F629-78CB1DD11B91}"/>
+                <a16:creationId xmlns:a16="http://schemas.microsoft.com/office/drawing/2014/main" id="{95F1FD77-DD1D-70DC-AE28-4D133C34715B}"/>
               </a:ext>
             </a:extLst>
           </p:cNvPr>
@@ -2286,7 +2286,7 @@
           <p:cNvPr id="4" name="文本占位符 3">
             <a:extLst>
               <a:ext uri="{FF2B5EF4-FFF2-40B4-BE49-F238E27FC236}">
-                <a16:creationId xmlns:a16="http://schemas.microsoft.com/office/drawing/2014/main" id="{A9A8AA74-D519-0B3F-C278-D1AAD8D5E128}"/>
+                <a16:creationId xmlns:a16="http://schemas.microsoft.com/office/drawing/2014/main" id="{0DDAFE2C-8613-50CD-6B59-1A19CAA208A6}"/>
               </a:ext>
             </a:extLst>
           </p:cNvPr>
@@ -2357,7 +2357,7 @@
           <p:cNvPr id="5" name="日期占位符 4">
             <a:extLst>
               <a:ext uri="{FF2B5EF4-FFF2-40B4-BE49-F238E27FC236}">
-                <a16:creationId xmlns:a16="http://schemas.microsoft.com/office/drawing/2014/main" id="{00E00E37-0526-30E8-9C0A-B91591D7A38A}"/>
+                <a16:creationId xmlns:a16="http://schemas.microsoft.com/office/drawing/2014/main" id="{8BEA8FF9-288F-A38F-13A0-F0994DF79FB9}"/>
               </a:ext>
             </a:extLst>
           </p:cNvPr>
@@ -2373,7 +2373,7 @@
           <a:bodyPr/>
           <a:lstStyle/>
           <a:p>
-            <a:fld id="{EB666A0C-AC88-4648-A64B-45FBF49F9AA8}" type="datetimeFigureOut">
+            <a:fld id="{9C8CFC49-9E09-4492-8946-15F126BDC92C}" type="datetimeFigureOut">
               <a:rPr lang="zh-CN" altLang="en-US" smtClean="0"/>
               <a:t>2024/3/10</a:t>
             </a:fld>
@@ -2386,7 +2386,7 @@
           <p:cNvPr id="6" name="页脚占位符 5">
             <a:extLst>
               <a:ext uri="{FF2B5EF4-FFF2-40B4-BE49-F238E27FC236}">
-                <a16:creationId xmlns:a16="http://schemas.microsoft.com/office/drawing/2014/main" id="{FB4D7DB3-E83A-6870-B67E-A7068D07B722}"/>
+                <a16:creationId xmlns:a16="http://schemas.microsoft.com/office/drawing/2014/main" id="{55CA5F11-DEE5-8E66-73C1-1ABBF472582A}"/>
               </a:ext>
             </a:extLst>
           </p:cNvPr>
@@ -2411,7 +2411,7 @@
           <p:cNvPr id="7" name="灯片编号占位符 6">
             <a:extLst>
               <a:ext uri="{FF2B5EF4-FFF2-40B4-BE49-F238E27FC236}">
-                <a16:creationId xmlns:a16="http://schemas.microsoft.com/office/drawing/2014/main" id="{E0C733E1-077B-7FD2-F72D-E35C40162181}"/>
+                <a16:creationId xmlns:a16="http://schemas.microsoft.com/office/drawing/2014/main" id="{E6D4AF6A-974E-F75E-9A82-F90A5048CFBF}"/>
               </a:ext>
             </a:extLst>
           </p:cNvPr>
@@ -2427,7 +2427,7 @@
           <a:bodyPr/>
           <a:lstStyle/>
           <a:p>
-            <a:fld id="{8468113F-B913-44DF-BE06-5F0157163FD6}" type="slidenum">
+            <a:fld id="{CB24570B-4C7A-4FC5-9F5D-CF3A8C3CE6BF}" type="slidenum">
               <a:rPr lang="zh-CN" altLang="en-US" smtClean="0"/>
               <a:t>‹#›</a:t>
             </a:fld>
@@ -2438,7 +2438,7 @@
     </p:spTree>
     <p:extLst>
       <p:ext uri="{BB962C8B-B14F-4D97-AF65-F5344CB8AC3E}">
-        <p14:creationId xmlns:p14="http://schemas.microsoft.com/office/powerpoint/2010/main" val="3292353463"/>
+        <p14:creationId xmlns:p14="http://schemas.microsoft.com/office/powerpoint/2010/main" val="866939334"/>
       </p:ext>
     </p:extLst>
   </p:cSld>
@@ -2470,7 +2470,7 @@
           <p:cNvPr id="2" name="标题 1">
             <a:extLst>
               <a:ext uri="{FF2B5EF4-FFF2-40B4-BE49-F238E27FC236}">
-                <a16:creationId xmlns:a16="http://schemas.microsoft.com/office/drawing/2014/main" id="{F9C7754D-A8C5-8E2F-621B-E021376AAFEC}"/>
+                <a16:creationId xmlns:a16="http://schemas.microsoft.com/office/drawing/2014/main" id="{7F6D713A-9EDB-D615-FBE3-DDA65211227A}"/>
               </a:ext>
             </a:extLst>
           </p:cNvPr>
@@ -2507,7 +2507,7 @@
           <p:cNvPr id="3" name="图片占位符 2">
             <a:extLst>
               <a:ext uri="{FF2B5EF4-FFF2-40B4-BE49-F238E27FC236}">
-                <a16:creationId xmlns:a16="http://schemas.microsoft.com/office/drawing/2014/main" id="{9F45C6B8-D12E-39A9-D0F5-42713D37696C}"/>
+                <a16:creationId xmlns:a16="http://schemas.microsoft.com/office/drawing/2014/main" id="{9D808A0A-C60C-F6FD-E1E0-96C8E1F542B1}"/>
               </a:ext>
             </a:extLst>
           </p:cNvPr>
@@ -2574,7 +2574,7 @@
           <p:cNvPr id="4" name="文本占位符 3">
             <a:extLst>
               <a:ext uri="{FF2B5EF4-FFF2-40B4-BE49-F238E27FC236}">
-                <a16:creationId xmlns:a16="http://schemas.microsoft.com/office/drawing/2014/main" id="{A456DF6B-2EB3-4D92-8BA5-AE3D30D869A3}"/>
+                <a16:creationId xmlns:a16="http://schemas.microsoft.com/office/drawing/2014/main" id="{053D01C2-E870-4730-D2F2-A434A9B85C96}"/>
               </a:ext>
             </a:extLst>
           </p:cNvPr>
@@ -2645,7 +2645,7 @@
           <p:cNvPr id="5" name="日期占位符 4">
             <a:extLst>
               <a:ext uri="{FF2B5EF4-FFF2-40B4-BE49-F238E27FC236}">
-                <a16:creationId xmlns:a16="http://schemas.microsoft.com/office/drawing/2014/main" id="{9B152684-3DBD-561F-D3F8-961E66DBC0BB}"/>
+                <a16:creationId xmlns:a16="http://schemas.microsoft.com/office/drawing/2014/main" id="{C924CCCA-07B8-3968-F91E-50D2E73CB73B}"/>
               </a:ext>
             </a:extLst>
           </p:cNvPr>
@@ -2661,7 +2661,7 @@
           <a:bodyPr/>
           <a:lstStyle/>
           <a:p>
-            <a:fld id="{EB666A0C-AC88-4648-A64B-45FBF49F9AA8}" type="datetimeFigureOut">
+            <a:fld id="{9C8CFC49-9E09-4492-8946-15F126BDC92C}" type="datetimeFigureOut">
               <a:rPr lang="zh-CN" altLang="en-US" smtClean="0"/>
               <a:t>2024/3/10</a:t>
             </a:fld>
@@ -2674,7 +2674,7 @@
           <p:cNvPr id="6" name="页脚占位符 5">
             <a:extLst>
               <a:ext uri="{FF2B5EF4-FFF2-40B4-BE49-F238E27FC236}">
-                <a16:creationId xmlns:a16="http://schemas.microsoft.com/office/drawing/2014/main" id="{08C2DF0E-3C9E-41F0-5F58-EF0354DBD9B1}"/>
+                <a16:creationId xmlns:a16="http://schemas.microsoft.com/office/drawing/2014/main" id="{A9D63710-7D33-95BE-FDB8-994B61527617}"/>
               </a:ext>
             </a:extLst>
           </p:cNvPr>
@@ -2699,7 +2699,7 @@
           <p:cNvPr id="7" name="灯片编号占位符 6">
             <a:extLst>
               <a:ext uri="{FF2B5EF4-FFF2-40B4-BE49-F238E27FC236}">
-                <a16:creationId xmlns:a16="http://schemas.microsoft.com/office/drawing/2014/main" id="{6A610784-4ED0-0580-5D7E-FD1D87B53637}"/>
+                <a16:creationId xmlns:a16="http://schemas.microsoft.com/office/drawing/2014/main" id="{62B43443-A166-F628-07C6-F6AE49A4B534}"/>
               </a:ext>
             </a:extLst>
           </p:cNvPr>
@@ -2715,7 +2715,7 @@
           <a:bodyPr/>
           <a:lstStyle/>
           <a:p>
-            <a:fld id="{8468113F-B913-44DF-BE06-5F0157163FD6}" type="slidenum">
+            <a:fld id="{CB24570B-4C7A-4FC5-9F5D-CF3A8C3CE6BF}" type="slidenum">
               <a:rPr lang="zh-CN" altLang="en-US" smtClean="0"/>
               <a:t>‹#›</a:t>
             </a:fld>
@@ -2726,7 +2726,7 @@
     </p:spTree>
     <p:extLst>
       <p:ext uri="{BB962C8B-B14F-4D97-AF65-F5344CB8AC3E}">
-        <p14:creationId xmlns:p14="http://schemas.microsoft.com/office/powerpoint/2010/main" val="708352275"/>
+        <p14:creationId xmlns:p14="http://schemas.microsoft.com/office/powerpoint/2010/main" val="4026386846"/>
       </p:ext>
     </p:extLst>
   </p:cSld>
@@ -2763,7 +2763,7 @@
           <p:cNvPr id="2" name="标题占位符 1">
             <a:extLst>
               <a:ext uri="{FF2B5EF4-FFF2-40B4-BE49-F238E27FC236}">
-                <a16:creationId xmlns:a16="http://schemas.microsoft.com/office/drawing/2014/main" id="{CC5F1655-347E-343C-B5A3-18D3580FF664}"/>
+                <a16:creationId xmlns:a16="http://schemas.microsoft.com/office/drawing/2014/main" id="{86FD1F2D-030D-DE1F-8B36-920E2BB8E673}"/>
               </a:ext>
             </a:extLst>
           </p:cNvPr>
@@ -2801,7 +2801,7 @@
           <p:cNvPr id="3" name="文本占位符 2">
             <a:extLst>
               <a:ext uri="{FF2B5EF4-FFF2-40B4-BE49-F238E27FC236}">
-                <a16:creationId xmlns:a16="http://schemas.microsoft.com/office/drawing/2014/main" id="{EFF44520-D344-BD9E-29F2-6F7A649423FA}"/>
+                <a16:creationId xmlns:a16="http://schemas.microsoft.com/office/drawing/2014/main" id="{8BE7BDFC-5634-9C87-C904-E83580703E1B}"/>
               </a:ext>
             </a:extLst>
           </p:cNvPr>
@@ -2868,7 +2868,7 @@
           <p:cNvPr id="4" name="日期占位符 3">
             <a:extLst>
               <a:ext uri="{FF2B5EF4-FFF2-40B4-BE49-F238E27FC236}">
-                <a16:creationId xmlns:a16="http://schemas.microsoft.com/office/drawing/2014/main" id="{202B42D1-AA2F-06DD-89FA-05813206E458}"/>
+                <a16:creationId xmlns:a16="http://schemas.microsoft.com/office/drawing/2014/main" id="{108CE721-EDC7-EDD5-C8C2-967FD5057EA5}"/>
               </a:ext>
             </a:extLst>
           </p:cNvPr>
@@ -2902,7 +2902,7 @@
             </a:lvl1pPr>
           </a:lstStyle>
           <a:p>
-            <a:fld id="{EB666A0C-AC88-4648-A64B-45FBF49F9AA8}" type="datetimeFigureOut">
+            <a:fld id="{9C8CFC49-9E09-4492-8946-15F126BDC92C}" type="datetimeFigureOut">
               <a:rPr lang="zh-CN" altLang="en-US" smtClean="0"/>
               <a:t>2024/3/10</a:t>
             </a:fld>
@@ -2915,7 +2915,7 @@
           <p:cNvPr id="5" name="页脚占位符 4">
             <a:extLst>
               <a:ext uri="{FF2B5EF4-FFF2-40B4-BE49-F238E27FC236}">
-                <a16:creationId xmlns:a16="http://schemas.microsoft.com/office/drawing/2014/main" id="{383E15A7-54C7-6D1E-37A0-28123916263E}"/>
+                <a16:creationId xmlns:a16="http://schemas.microsoft.com/office/drawing/2014/main" id="{0376F3E9-01BF-5C35-AF3E-D7AB2003A5D0}"/>
               </a:ext>
             </a:extLst>
           </p:cNvPr>
@@ -2958,7 +2958,7 @@
           <p:cNvPr id="6" name="灯片编号占位符 5">
             <a:extLst>
               <a:ext uri="{FF2B5EF4-FFF2-40B4-BE49-F238E27FC236}">
-                <a16:creationId xmlns:a16="http://schemas.microsoft.com/office/drawing/2014/main" id="{5A317EC4-9BF9-BEAD-998C-4300541FF166}"/>
+                <a16:creationId xmlns:a16="http://schemas.microsoft.com/office/drawing/2014/main" id="{4B1FEF85-E3EA-A502-4E55-F11EA65400C1}"/>
               </a:ext>
             </a:extLst>
           </p:cNvPr>
@@ -2992,7 +2992,7 @@
             </a:lvl1pPr>
           </a:lstStyle>
           <a:p>
-            <a:fld id="{8468113F-B913-44DF-BE06-5F0157163FD6}" type="slidenum">
+            <a:fld id="{CB24570B-4C7A-4FC5-9F5D-CF3A8C3CE6BF}" type="slidenum">
               <a:rPr lang="zh-CN" altLang="en-US" smtClean="0"/>
               <a:t>‹#›</a:t>
             </a:fld>
@@ -3003,7 +3003,7 @@
     </p:spTree>
     <p:extLst>
       <p:ext uri="{BB962C8B-B14F-4D97-AF65-F5344CB8AC3E}">
-        <p14:creationId xmlns:p14="http://schemas.microsoft.com/office/powerpoint/2010/main" val="219982456"/>
+        <p14:creationId xmlns:p14="http://schemas.microsoft.com/office/powerpoint/2010/main" val="3737956754"/>
       </p:ext>
     </p:extLst>
   </p:cSld>
